--- a/Markdown/report_20150714.pptx
+++ b/Markdown/report_20150714.pptx
@@ -292,7 +292,7 @@
           <a:p>
             <a:fld id="{AB2615FB-9209-524F-8B04-D5FDD7FD4E09}" type="datetimeFigureOut">
               <a:rPr lang="en-US" smtClean="0"/>
-              <a:t>7/14/15</a:t>
+              <a:t>7/31/15</a:t>
             </a:fld>
             <a:endParaRPr lang="en-US"/>
           </a:p>
@@ -462,7 +462,7 @@
           <a:p>
             <a:fld id="{AB2615FB-9209-524F-8B04-D5FDD7FD4E09}" type="datetimeFigureOut">
               <a:rPr lang="en-US" smtClean="0"/>
-              <a:t>7/14/15</a:t>
+              <a:t>7/31/15</a:t>
             </a:fld>
             <a:endParaRPr lang="en-US"/>
           </a:p>
@@ -642,7 +642,7 @@
           <a:p>
             <a:fld id="{AB2615FB-9209-524F-8B04-D5FDD7FD4E09}" type="datetimeFigureOut">
               <a:rPr lang="en-US" smtClean="0"/>
-              <a:t>7/14/15</a:t>
+              <a:t>7/31/15</a:t>
             </a:fld>
             <a:endParaRPr lang="en-US"/>
           </a:p>
@@ -812,7 +812,7 @@
           <a:p>
             <a:fld id="{AB2615FB-9209-524F-8B04-D5FDD7FD4E09}" type="datetimeFigureOut">
               <a:rPr lang="en-US" smtClean="0"/>
-              <a:t>7/14/15</a:t>
+              <a:t>7/31/15</a:t>
             </a:fld>
             <a:endParaRPr lang="en-US"/>
           </a:p>
@@ -1058,7 +1058,7 @@
           <a:p>
             <a:fld id="{AB2615FB-9209-524F-8B04-D5FDD7FD4E09}" type="datetimeFigureOut">
               <a:rPr lang="en-US" smtClean="0"/>
-              <a:t>7/14/15</a:t>
+              <a:t>7/31/15</a:t>
             </a:fld>
             <a:endParaRPr lang="en-US"/>
           </a:p>
@@ -1346,7 +1346,7 @@
           <a:p>
             <a:fld id="{AB2615FB-9209-524F-8B04-D5FDD7FD4E09}" type="datetimeFigureOut">
               <a:rPr lang="en-US" smtClean="0"/>
-              <a:t>7/14/15</a:t>
+              <a:t>7/31/15</a:t>
             </a:fld>
             <a:endParaRPr lang="en-US"/>
           </a:p>
@@ -1768,7 +1768,7 @@
           <a:p>
             <a:fld id="{AB2615FB-9209-524F-8B04-D5FDD7FD4E09}" type="datetimeFigureOut">
               <a:rPr lang="en-US" smtClean="0"/>
-              <a:t>7/14/15</a:t>
+              <a:t>7/31/15</a:t>
             </a:fld>
             <a:endParaRPr lang="en-US"/>
           </a:p>
@@ -1886,7 +1886,7 @@
           <a:p>
             <a:fld id="{AB2615FB-9209-524F-8B04-D5FDD7FD4E09}" type="datetimeFigureOut">
               <a:rPr lang="en-US" smtClean="0"/>
-              <a:t>7/14/15</a:t>
+              <a:t>7/31/15</a:t>
             </a:fld>
             <a:endParaRPr lang="en-US"/>
           </a:p>
@@ -1981,7 +1981,7 @@
           <a:p>
             <a:fld id="{AB2615FB-9209-524F-8B04-D5FDD7FD4E09}" type="datetimeFigureOut">
               <a:rPr lang="en-US" smtClean="0"/>
-              <a:t>7/14/15</a:t>
+              <a:t>7/31/15</a:t>
             </a:fld>
             <a:endParaRPr lang="en-US"/>
           </a:p>
@@ -2258,7 +2258,7 @@
           <a:p>
             <a:fld id="{AB2615FB-9209-524F-8B04-D5FDD7FD4E09}" type="datetimeFigureOut">
               <a:rPr lang="en-US" smtClean="0"/>
-              <a:t>7/14/15</a:t>
+              <a:t>7/31/15</a:t>
             </a:fld>
             <a:endParaRPr lang="en-US"/>
           </a:p>
@@ -2511,7 +2511,7 @@
           <a:p>
             <a:fld id="{AB2615FB-9209-524F-8B04-D5FDD7FD4E09}" type="datetimeFigureOut">
               <a:rPr lang="en-US" smtClean="0"/>
-              <a:t>7/14/15</a:t>
+              <a:t>7/31/15</a:t>
             </a:fld>
             <a:endParaRPr lang="en-US"/>
           </a:p>
@@ -2724,7 +2724,7 @@
           <a:p>
             <a:fld id="{AB2615FB-9209-524F-8B04-D5FDD7FD4E09}" type="datetimeFigureOut">
               <a:rPr lang="en-US" smtClean="0"/>
-              <a:t>7/14/15</a:t>
+              <a:t>7/31/15</a:t>
             </a:fld>
             <a:endParaRPr lang="en-US"/>
           </a:p>
@@ -3150,14 +3150,7 @@
                 <a:latin typeface="Arial"/>
                 <a:cs typeface="Arial"/>
               </a:rPr>
-              <a:t>July 14</a:t>
-            </a:r>
-            <a:r>
-              <a:rPr lang="en-US" sz="2400" dirty="0" smtClean="0">
-                <a:latin typeface="Arial"/>
-                <a:cs typeface="Arial"/>
-              </a:rPr>
-              <a:t>, 2015</a:t>
+              <a:t>July 14, 2015</a:t>
             </a:r>
             <a:endParaRPr lang="en-US" sz="2400" dirty="0">
               <a:latin typeface="Arial"/>
@@ -3247,28 +3240,7 @@
                 <a:latin typeface="Arial"/>
                 <a:cs typeface="Arial"/>
               </a:rPr>
-              <a:t>Log2 fold change bigger than </a:t>
-            </a:r>
-            <a:r>
-              <a:rPr lang="en-US" sz="1000" dirty="0" smtClean="0">
-                <a:latin typeface="Arial"/>
-                <a:cs typeface="Arial"/>
-              </a:rPr>
-              <a:t>0.2 (</a:t>
-            </a:r>
-            <a:r>
-              <a:rPr lang="en-US" sz="1000" dirty="0" smtClean="0">
-                <a:latin typeface="Arial"/>
-                <a:cs typeface="Arial"/>
-              </a:rPr>
-              <a:t>15</a:t>
-            </a:r>
-            <a:r>
-              <a:rPr lang="en-US" sz="1000" dirty="0" smtClean="0">
-                <a:latin typeface="Arial"/>
-                <a:cs typeface="Arial"/>
-              </a:rPr>
-              <a:t>% increase)</a:t>
+              <a:t>Log2 fold change bigger than 0.2 (15% increase)</a:t>
             </a:r>
             <a:endParaRPr lang="en-US" sz="1000" dirty="0">
               <a:latin typeface="Arial"/>
@@ -3352,14 +3324,7 @@
                 <a:latin typeface="Arial"/>
                 <a:cs typeface="Arial"/>
               </a:rPr>
-              <a:t>Filter genes: maximum bigger than </a:t>
-            </a:r>
-            <a:r>
-              <a:rPr lang="en-US" sz="1000" dirty="0" smtClean="0">
-                <a:latin typeface="Arial"/>
-                <a:cs typeface="Arial"/>
-              </a:rPr>
-              <a:t>20</a:t>
+              <a:t>Filter genes: maximum bigger than 20</a:t>
             </a:r>
             <a:endParaRPr lang="en-US" sz="1000" dirty="0">
               <a:latin typeface="Arial"/>
@@ -3414,10 +3379,6 @@
               </a:rPr>
               <a:t>P-value &lt; 0.2</a:t>
             </a:r>
-            <a:endParaRPr lang="en-US" sz="1000" dirty="0" smtClean="0">
-              <a:latin typeface="Arial"/>
-              <a:cs typeface="Arial"/>
-            </a:endParaRPr>
           </a:p>
         </p:txBody>
       </p:sp>
@@ -3465,14 +3426,7 @@
                 <a:latin typeface="Arial"/>
                 <a:cs typeface="Arial"/>
               </a:rPr>
-              <a:t>Take only </a:t>
-            </a:r>
-            <a:r>
-              <a:rPr lang="en-US" sz="1000" dirty="0" smtClean="0">
-                <a:latin typeface="Arial"/>
-                <a:cs typeface="Arial"/>
-              </a:rPr>
-              <a:t>Non-polysomic samples</a:t>
+              <a:t>Take only Non-polysomic samples</a:t>
             </a:r>
             <a:endParaRPr lang="en-US" sz="1000" dirty="0">
               <a:latin typeface="Arial"/>
@@ -3638,10 +3592,6 @@
               </a:rPr>
               <a:t>90 genes</a:t>
             </a:r>
-            <a:endParaRPr lang="en-US" sz="1000" dirty="0" smtClean="0">
-              <a:latin typeface="Arial"/>
-              <a:cs typeface="Arial"/>
-            </a:endParaRPr>
           </a:p>
         </p:txBody>
       </p:sp>
@@ -3929,14 +3879,7 @@
                 <a:latin typeface="Arial"/>
                 <a:cs typeface="Arial"/>
               </a:rPr>
-              <a:t>Differential genes in the Non-polysomic fraction (p-value &lt; </a:t>
-            </a:r>
-            <a:r>
-              <a:rPr lang="en-US" sz="1000" dirty="0" smtClean="0">
-                <a:latin typeface="Arial"/>
-                <a:cs typeface="Arial"/>
-              </a:rPr>
-              <a:t>0.2) </a:t>
+              <a:t>Differential genes in the Non-polysomic fraction (p-value &lt; 0.2) </a:t>
             </a:r>
             <a:endParaRPr lang="en-US" sz="1000" dirty="0">
               <a:latin typeface="Arial"/>
